--- a/Course Outline.pptx
+++ b/Course Outline.pptx
@@ -266,7 +266,7 @@
               <a:pPr>
                 <a:defRPr/>
               </a:pPr>
-              <a:t>5/23/2019</a:t>
+              <a:t>7/27/2020</a:t>
             </a:fld>
             <a:endParaRPr lang="en-US"/>
           </a:p>
@@ -504,7 +504,7 @@
               <a:pPr>
                 <a:defRPr/>
               </a:pPr>
-              <a:t>2019/5/23</a:t>
+              <a:t>2020/7/27</a:t>
             </a:fld>
             <a:endParaRPr lang="en-US" altLang="zh-CN"/>
           </a:p>
@@ -1842,7 +1842,7 @@
           <a:p>
             <a:fld id="{4D9FFFB4-400D-1240-AB24-6F86C96D4DFB}" type="datetimeFigureOut">
               <a:rPr lang="en-US" smtClean="0"/>
-              <a:t>5/23/2019</a:t>
+              <a:t>7/27/2020</a:t>
             </a:fld>
             <a:endParaRPr lang="en-US" dirty="0"/>
           </a:p>
@@ -2682,7 +2682,7 @@
         <p:spPr>
           <a:xfrm>
             <a:off x="495300" y="677999"/>
-            <a:ext cx="11201400" cy="5616922"/>
+            <a:ext cx="11201400" cy="6247864"/>
           </a:xfrm>
           <a:prstGeom prst="rect">
             <a:avLst/>
@@ -2730,7 +2730,23 @@
                 <a:ea typeface="Times New Roman" panose="02020603050405020304" pitchFamily="18" charset="0"/>
                 <a:cs typeface="Times New Roman" panose="02020603050405020304" pitchFamily="18" charset="0"/>
               </a:rPr>
-              <a:t>Length: 5 days</a:t>
+              <a:t>Length: </a:t>
+            </a:r>
+            <a:r>
+              <a:rPr lang="en-US" sz="3600" smtClean="0">
+                <a:latin typeface="Times New Roman" panose="02020603050405020304" pitchFamily="18" charset="0"/>
+                <a:ea typeface="Times New Roman" panose="02020603050405020304" pitchFamily="18" charset="0"/>
+                <a:cs typeface="Times New Roman" panose="02020603050405020304" pitchFamily="18" charset="0"/>
+              </a:rPr>
+              <a:t>5 </a:t>
+            </a:r>
+            <a:r>
+              <a:rPr lang="en-US" sz="3600">
+                <a:latin typeface="Times New Roman" panose="02020603050405020304" pitchFamily="18" charset="0"/>
+                <a:ea typeface="Times New Roman" panose="02020603050405020304" pitchFamily="18" charset="0"/>
+                <a:cs typeface="Times New Roman" panose="02020603050405020304" pitchFamily="18" charset="0"/>
+              </a:rPr>
+              <a:t>days</a:t>
             </a:r>
           </a:p>
           <a:p>
@@ -2786,7 +2802,23 @@
                 <a:ea typeface="Times New Roman" panose="02020603050405020304" pitchFamily="18" charset="0"/>
                 <a:cs typeface="Times New Roman" panose="02020603050405020304" pitchFamily="18" charset="0"/>
               </a:rPr>
-              <a:t>: Face to face, Step by step.</a:t>
+              <a:t>: </a:t>
+            </a:r>
+            <a:r>
+              <a:rPr lang="en-US" sz="3600" smtClean="0">
+                <a:latin typeface="Times New Roman" panose="02020603050405020304" pitchFamily="18" charset="0"/>
+                <a:ea typeface="Times New Roman" panose="02020603050405020304" pitchFamily="18" charset="0"/>
+                <a:cs typeface="Times New Roman" panose="02020603050405020304" pitchFamily="18" charset="0"/>
+              </a:rPr>
+              <a:t>Hands-on, </a:t>
+            </a:r>
+            <a:r>
+              <a:rPr lang="en-US" sz="3600">
+                <a:latin typeface="Times New Roman" panose="02020603050405020304" pitchFamily="18" charset="0"/>
+                <a:ea typeface="Times New Roman" panose="02020603050405020304" pitchFamily="18" charset="0"/>
+                <a:cs typeface="Times New Roman" panose="02020603050405020304" pitchFamily="18" charset="0"/>
+              </a:rPr>
+              <a:t>Step by step.</a:t>
             </a:r>
           </a:p>
           <a:p>
@@ -2845,15 +2877,19 @@
                 <a:cs typeface="Times New Roman" panose="02020603050405020304" pitchFamily="18" charset="0"/>
                 <a:hlinkClick r:id="rId2"/>
               </a:rPr>
-              <a:t>https://docs.qgis.org/3.4/en/docs/</a:t>
-            </a:r>
-            <a:r>
-              <a:rPr lang="en-US" sz="3600">
+              <a:t>https://docs.qgis.org/3.10/en/docs/</a:t>
+            </a:r>
+            <a:r>
+              <a:rPr lang="en-US" sz="3600" smtClean="0">
                 <a:latin typeface="Times New Roman" panose="02020603050405020304" pitchFamily="18" charset="0"/>
                 <a:cs typeface="Times New Roman" panose="02020603050405020304" pitchFamily="18" charset="0"/>
               </a:rPr>
               <a:t>,</a:t>
             </a:r>
+            <a:endParaRPr lang="en-US" sz="3600">
+              <a:latin typeface="Times New Roman" panose="02020603050405020304" pitchFamily="18" charset="0"/>
+              <a:cs typeface="Times New Roman" panose="02020603050405020304" pitchFamily="18" charset="0"/>
+            </a:endParaRPr>
           </a:p>
           <a:p>
             <a:pPr marL="1028700" lvl="3" indent="-571500">
@@ -2872,7 +2908,53 @@
                 <a:cs typeface="Times New Roman" panose="02020603050405020304" pitchFamily="18" charset="0"/>
                 <a:hlinkClick r:id="rId3"/>
               </a:rPr>
-              <a:t>https://docs.qgis.org/3.4/pdf/en/QGIS-3.4-UserGuide-en.pdf</a:t>
+              <a:t>https://</a:t>
+            </a:r>
+            <a:r>
+              <a:rPr lang="en-US" sz="3600">
+                <a:latin typeface="Times New Roman" panose="02020603050405020304" pitchFamily="18" charset="0"/>
+                <a:cs typeface="Times New Roman" panose="02020603050405020304" pitchFamily="18" charset="0"/>
+                <a:hlinkClick r:id="rId3"/>
+              </a:rPr>
+              <a:t>docs.qgis.org/3.10/en/docs/training_manual</a:t>
+            </a:r>
+            <a:r>
+              <a:rPr lang="en-US" sz="3600" smtClean="0">
+                <a:latin typeface="Times New Roman" panose="02020603050405020304" pitchFamily="18" charset="0"/>
+                <a:cs typeface="Times New Roman" panose="02020603050405020304" pitchFamily="18" charset="0"/>
+                <a:hlinkClick r:id="rId3"/>
+              </a:rPr>
+              <a:t>/</a:t>
+            </a:r>
+            <a:endParaRPr lang="en-US" sz="3600" smtClean="0">
+              <a:latin typeface="Times New Roman" panose="02020603050405020304" pitchFamily="18" charset="0"/>
+              <a:cs typeface="Times New Roman" panose="02020603050405020304" pitchFamily="18" charset="0"/>
+            </a:endParaRPr>
+          </a:p>
+          <a:p>
+            <a:pPr marL="1028700" lvl="3" indent="-571500">
+              <a:spcBef>
+                <a:spcPts val="600"/>
+              </a:spcBef>
+              <a:buFont typeface="Arial" panose="020B0604020202020204" pitchFamily="34" charset="0"/>
+              <a:buChar char="•"/>
+              <a:tabLst>
+                <a:tab pos="807085" algn="l"/>
+              </a:tabLst>
+            </a:pPr>
+            <a:r>
+              <a:rPr lang="en-US" sz="3600">
+                <a:latin typeface="Times New Roman" panose="02020603050405020304" pitchFamily="18" charset="0"/>
+                <a:cs typeface="Times New Roman" panose="02020603050405020304" pitchFamily="18" charset="0"/>
+                <a:hlinkClick r:id="rId4"/>
+              </a:rPr>
+              <a:t>https://docs.qgis.org/3.10/en/docs/gentle_gis_introduction</a:t>
+            </a:r>
+            <a:r>
+              <a:rPr lang="en-US" sz="3600">
+                <a:hlinkClick r:id="rId4"/>
+              </a:rPr>
+              <a:t>/</a:t>
             </a:r>
             <a:endParaRPr lang="en-US" sz="3600" dirty="0">
               <a:latin typeface="Times New Roman" panose="02020603050405020304" pitchFamily="18" charset="0"/>
@@ -5688,7 +5770,7 @@
                 <a:hlinkClick r:id="rId2">
                   <a:extLst>
                     <a:ext uri="{A12FA001-AC4F-418D-AE19-62706E023703}">
-                      <ahyp:hlinkClr xmlns:ahyp="http://schemas.microsoft.com/office/drawing/2018/hyperlinkcolor" val="tx"/>
+                      <ahyp:hlinkClr xmlns:ahyp="http://schemas.microsoft.com/office/drawing/2018/hyperlinkcolor" xmlns="" val="tx"/>
                     </a:ext>
                   </a:extLst>
                 </a:hlinkClick>
